--- a/Иллюстрации.pptx
+++ b/Иллюстрации.pptx
@@ -4251,14 +4251,14 @@
       </p:sp>
       <p:sp>
         <p:nvSpPr>
-          <p:cNvPr id="43" name="Прямоугольник 42"/>
+          <p:cNvPr id="79" name="Прямоугольник 78"/>
           <p:cNvSpPr/>
           <p:nvPr/>
         </p:nvSpPr>
         <p:spPr>
           <a:xfrm>
-            <a:off x="2857488" y="642918"/>
-            <a:ext cx="2643206" cy="5357850"/>
+            <a:off x="8215338" y="642918"/>
+            <a:ext cx="2571768" cy="5357850"/>
           </a:xfrm>
           <a:prstGeom prst="rect">
             <a:avLst/>
@@ -4296,6 +4296,51 @@
       </p:sp>
       <p:sp>
         <p:nvSpPr>
+          <p:cNvPr id="43" name="Прямоугольник 42"/>
+          <p:cNvSpPr/>
+          <p:nvPr/>
+        </p:nvSpPr>
+        <p:spPr>
+          <a:xfrm>
+            <a:off x="2857488" y="642918"/>
+            <a:ext cx="2643206" cy="5357850"/>
+          </a:xfrm>
+          <a:prstGeom prst="rect">
+            <a:avLst/>
+          </a:prstGeom>
+          <a:solidFill>
+            <a:schemeClr val="accent1">
+              <a:lumMod val="20000"/>
+              <a:lumOff val="80000"/>
+            </a:schemeClr>
+          </a:solidFill>
+          <a:ln w="19050"/>
+        </p:spPr>
+        <p:style>
+          <a:lnRef idx="1">
+            <a:schemeClr val="dk1"/>
+          </a:lnRef>
+          <a:fillRef idx="2">
+            <a:schemeClr val="dk1"/>
+          </a:fillRef>
+          <a:effectRef idx="1">
+            <a:schemeClr val="dk1"/>
+          </a:effectRef>
+          <a:fontRef idx="minor">
+            <a:schemeClr val="dk1"/>
+          </a:fontRef>
+        </p:style>
+        <p:txBody>
+          <a:bodyPr rtlCol="0" anchor="ctr"/>
+          <a:lstStyle/>
+          <a:p>
+            <a:pPr algn="ctr"/>
+            <a:endParaRPr lang="ru-RU"/>
+          </a:p>
+        </p:txBody>
+      </p:sp>
+      <p:sp>
+        <p:nvSpPr>
           <p:cNvPr id="5" name="TextBox 4"/>
           <p:cNvSpPr txBox="1"/>
           <p:nvPr/>
@@ -4303,7 +4348,7 @@
         <p:spPr>
           <a:xfrm>
             <a:off x="2714612" y="142852"/>
-            <a:ext cx="5643602" cy="707886"/>
+            <a:ext cx="8215370" cy="707886"/>
           </a:xfrm>
           <a:prstGeom prst="rect">
             <a:avLst/>
@@ -4698,7 +4743,7 @@
         </p:nvSpPr>
         <p:spPr>
           <a:xfrm>
-            <a:off x="4714876" y="3143248"/>
+            <a:off x="4714876" y="3000372"/>
             <a:ext cx="357190" cy="357190"/>
           </a:xfrm>
           <a:prstGeom prst="rect">
@@ -4737,7 +4782,7 @@
         </p:nvSpPr>
         <p:spPr>
           <a:xfrm>
-            <a:off x="3214678" y="3143248"/>
+            <a:off x="3214678" y="3000372"/>
             <a:ext cx="357190" cy="357190"/>
           </a:xfrm>
           <a:prstGeom prst="rect">
@@ -4776,7 +4821,7 @@
         </p:nvCxnSpPr>
         <p:spPr>
           <a:xfrm>
-            <a:off x="3357554" y="3355974"/>
+            <a:off x="3357554" y="3213098"/>
             <a:ext cx="1500198" cy="1588"/>
           </a:xfrm>
           <a:prstGeom prst="line">
@@ -4807,7 +4852,7 @@
         </p:nvCxnSpPr>
         <p:spPr>
           <a:xfrm>
-            <a:off x="3428992" y="3071810"/>
+            <a:off x="3357554" y="3214686"/>
             <a:ext cx="1428760" cy="285752"/>
           </a:xfrm>
           <a:prstGeom prst="line">
@@ -4837,7 +4882,7 @@
         </p:nvSpPr>
         <p:spPr>
           <a:xfrm>
-            <a:off x="3551126" y="3059668"/>
+            <a:off x="4408382" y="3131106"/>
             <a:ext cx="306494" cy="369332"/>
           </a:xfrm>
           <a:prstGeom prst="rect">
@@ -4965,7 +5010,7 @@
         <p:spPr>
           <a:xfrm>
             <a:off x="5572132" y="642918"/>
-            <a:ext cx="4929222" cy="5357850"/>
+            <a:ext cx="2571768" cy="5357850"/>
           </a:xfrm>
           <a:prstGeom prst="rect">
             <a:avLst/>
@@ -5269,7 +5314,7 @@
         </p:blipFill>
         <p:spPr>
           <a:xfrm>
-            <a:off x="8786842" y="3285053"/>
+            <a:off x="9066492" y="3285053"/>
             <a:ext cx="1006234" cy="1001203"/>
           </a:xfrm>
           <a:prstGeom prst="rect">
@@ -5290,7 +5335,7 @@
         </p:nvSpPr>
         <p:spPr>
           <a:xfrm>
-            <a:off x="8215338" y="714356"/>
+            <a:off x="8429652" y="714356"/>
             <a:ext cx="2214578" cy="714380"/>
           </a:xfrm>
           <a:prstGeom prst="rect">
@@ -5328,7 +5373,7 @@
         </p:nvSpPr>
         <p:spPr>
           <a:xfrm>
-            <a:off x="8215338" y="906645"/>
+            <a:off x="8429652" y="906645"/>
             <a:ext cx="2214578" cy="307777"/>
           </a:xfrm>
           <a:prstGeom prst="rect">
@@ -5368,7 +5413,7 @@
         </p:blipFill>
         <p:spPr>
           <a:xfrm>
-            <a:off x="8786842" y="1643050"/>
+            <a:off x="9066492" y="1643050"/>
             <a:ext cx="1006234" cy="1001203"/>
           </a:xfrm>
           <a:prstGeom prst="rect">
@@ -5389,7 +5434,7 @@
         </p:nvCxnSpPr>
         <p:spPr>
           <a:xfrm rot="5400000">
-            <a:off x="9110375" y="2963663"/>
+            <a:off x="9390025" y="2963663"/>
             <a:ext cx="356119" cy="3051"/>
           </a:xfrm>
           <a:prstGeom prst="straightConnector1">
